--- a/docs/images/HVR_architecture_diagram.pptx
+++ b/docs/images/HVR_architecture_diagram.pptx
@@ -232,7 +232,7 @@
           <a:p>
             <a:fld id="{49A7721D-1176-A640-AC48-B82F78C92D56}" type="datetimeFigureOut">
               <a:rPr lang="en-US" smtClean="0"/>
-              <a:t>6/30/2021</a:t>
+              <a:t>7/1/2021</a:t>
             </a:fld>
             <a:endParaRPr lang="en-US" dirty="0"/>
           </a:p>
@@ -409,7 +409,7 @@
           <a:p>
             <a:fld id="{C884A089-FB25-6D46-9D21-F0F04A18BCA8}" type="datetimeFigureOut">
               <a:rPr lang="en-US" smtClean="0"/>
-              <a:t>6/30/2021</a:t>
+              <a:t>7/1/2021</a:t>
             </a:fld>
             <a:endParaRPr lang="en-US" dirty="0"/>
           </a:p>
@@ -1872,7 +1872,7 @@
           <a:p>
             <a:fld id="{548045AF-2F23-744F-A16F-4B5C9AF54FA3}" type="datetimeFigureOut">
               <a:rPr lang="en-US" smtClean="0"/>
-              <a:t>6/30/2021</a:t>
+              <a:t>7/1/2021</a:t>
             </a:fld>
             <a:endParaRPr lang="en-US" dirty="0"/>
           </a:p>
@@ -4518,8 +4518,8 @@
         </p:nvCxnSpPr>
         <p:spPr>
           <a:xfrm rot="10800000">
-            <a:off x="3908833" y="3563827"/>
-            <a:ext cx="1067701" cy="429484"/>
+            <a:off x="3908832" y="3563827"/>
+            <a:ext cx="665918" cy="429484"/>
           </a:xfrm>
           <a:prstGeom prst="bentConnector2">
             <a:avLst/>
@@ -4634,8 +4634,8 @@
         </p:nvCxnSpPr>
         <p:spPr>
           <a:xfrm flipV="1">
-            <a:off x="5392883" y="3563827"/>
-            <a:ext cx="1194781" cy="429484"/>
+            <a:off x="4991100" y="3563827"/>
+            <a:ext cx="1596564" cy="429484"/>
           </a:xfrm>
           <a:prstGeom prst="bentConnector2">
             <a:avLst/>
@@ -5359,25 +5359,8 @@
                 <a:latin typeface="Arial" panose="020B0604020202020204" pitchFamily="34" charset="0"/>
                 <a:cs typeface="Arial" panose="020B0604020202020204" pitchFamily="34" charset="0"/>
               </a:rPr>
-              <a:t>Security </a:t>
-            </a:r>
-            <a:r>
-              <a:rPr lang="en-US" sz="1200" dirty="0">
-                <a:solidFill>
-                  <a:srgbClr val="DF3312"/>
-                </a:solidFill>
-                <a:latin typeface="Arial" panose="020B0604020202020204" pitchFamily="34" charset="0"/>
-                <a:cs typeface="Arial" panose="020B0604020202020204" pitchFamily="34" charset="0"/>
-              </a:rPr>
-              <a:t>group</a:t>
-            </a:r>
-            <a:endParaRPr lang="en-US" sz="1200" dirty="0">
-              <a:solidFill>
-                <a:srgbClr val="DF3312"/>
-              </a:solidFill>
-              <a:latin typeface="Arial" panose="020B0604020202020204" pitchFamily="34" charset="0"/>
-              <a:cs typeface="Arial" panose="020B0604020202020204" pitchFamily="34" charset="0"/>
-            </a:endParaRPr>
+              <a:t>Security group</a:t>
+            </a:r>
           </a:p>
         </p:txBody>
       </p:sp>
@@ -5417,25 +5400,8 @@
                 <a:latin typeface="Arial" panose="020B0604020202020204" pitchFamily="34" charset="0"/>
                 <a:cs typeface="Arial" panose="020B0604020202020204" pitchFamily="34" charset="0"/>
               </a:rPr>
-              <a:t>Security </a:t>
-            </a:r>
-            <a:r>
-              <a:rPr lang="en-US" sz="1200" dirty="0">
-                <a:solidFill>
-                  <a:srgbClr val="DF3312"/>
-                </a:solidFill>
-                <a:latin typeface="Arial" panose="020B0604020202020204" pitchFamily="34" charset="0"/>
-                <a:cs typeface="Arial" panose="020B0604020202020204" pitchFamily="34" charset="0"/>
-              </a:rPr>
-              <a:t>group</a:t>
-            </a:r>
-            <a:endParaRPr lang="en-US" sz="1200" dirty="0">
-              <a:solidFill>
-                <a:srgbClr val="DF3312"/>
-              </a:solidFill>
-              <a:latin typeface="Arial" panose="020B0604020202020204" pitchFamily="34" charset="0"/>
-              <a:cs typeface="Arial" panose="020B0604020202020204" pitchFamily="34" charset="0"/>
-            </a:endParaRPr>
+              <a:t>Security group</a:t>
+            </a:r>
           </a:p>
         </p:txBody>
       </p:sp>
@@ -6171,13 +6137,14 @@
           </p:cNvPr>
           <p:cNvCxnSpPr>
             <a:cxnSpLocks/>
+            <a:endCxn id="130" idx="3"/>
           </p:cNvCxnSpPr>
           <p:nvPr/>
         </p:nvCxnSpPr>
         <p:spPr>
           <a:xfrm flipH="1">
-            <a:off x="4081275" y="6014821"/>
-            <a:ext cx="1005697" cy="1869"/>
+            <a:off x="4137432" y="6014821"/>
+            <a:ext cx="949541" cy="0"/>
           </a:xfrm>
           <a:prstGeom prst="straightConnector1">
             <a:avLst/>
@@ -6542,8 +6509,8 @@
         </p:nvSpPr>
         <p:spPr>
           <a:xfrm>
-            <a:off x="5350135" y="3965267"/>
-            <a:ext cx="627686" cy="276999"/>
+            <a:off x="4948356" y="3757450"/>
+            <a:ext cx="1105597" cy="276999"/>
           </a:xfrm>
           <a:prstGeom prst="rect">
             <a:avLst/>
@@ -6558,7 +6525,7 @@
           <a:p>
             <a:r>
               <a:rPr lang="en-US" sz="1200" dirty="0" smtClean="0"/>
-              <a:t>EFS</a:t>
+              <a:t>Amazon EFS</a:t>
             </a:r>
             <a:endParaRPr lang="en-US" sz="1200" dirty="0"/>
           </a:p>
@@ -6593,7 +6560,7 @@
         </p:blipFill>
         <p:spPr bwMode="auto">
           <a:xfrm>
-            <a:off x="5003530" y="1029037"/>
+            <a:off x="4587895" y="1029037"/>
             <a:ext cx="375499" cy="375499"/>
           </a:xfrm>
           <a:prstGeom prst="rect">
@@ -6638,8 +6605,8 @@
         </p:nvSpPr>
         <p:spPr>
           <a:xfrm>
-            <a:off x="5350135" y="1086245"/>
-            <a:ext cx="608649" cy="276999"/>
+            <a:off x="4934501" y="996193"/>
+            <a:ext cx="1167696" cy="461665"/>
           </a:xfrm>
           <a:prstGeom prst="rect">
             <a:avLst/>
@@ -6654,7 +6621,7 @@
           <a:p>
             <a:r>
               <a:rPr lang="en-US" sz="1200" dirty="0" smtClean="0"/>
-              <a:t>NLB</a:t>
+              <a:t>Network Load Balancer</a:t>
             </a:r>
             <a:endParaRPr lang="en-US" sz="1200" dirty="0"/>
           </a:p>
@@ -6678,7 +6645,7 @@
           <a:blip r:embed="rId16">
             <a:extLst>
               <a:ext uri="{96DAC541-7B7A-43D3-8B79-37D633B846F1}">
-                <asvg:svgBlip xmlns:asvg="http://schemas.microsoft.com/office/drawing/2016/SVG/main" xmlns="" r:embed="rId30"/>
+                <asvg:svgBlip xmlns="" xmlns:asvg="http://schemas.microsoft.com/office/drawing/2016/SVG/main" r:embed="rId30"/>
               </a:ext>
             </a:extLst>
           </a:blip>
@@ -6687,7 +6654,7 @@
         </p:blipFill>
         <p:spPr bwMode="auto">
           <a:xfrm>
-            <a:off x="4976533" y="3785136"/>
+            <a:off x="4574750" y="3785136"/>
             <a:ext cx="416350" cy="416350"/>
           </a:xfrm>
           <a:prstGeom prst="rect">
@@ -6720,7 +6687,7 @@
       </p:pic>
       <p:pic>
         <p:nvPicPr>
-          <p:cNvPr id="95" name="Graphic 24">
+          <p:cNvPr id="64" name="Graphic 24">
             <a:extLst>
               <a:ext uri="{FF2B5EF4-FFF2-40B4-BE49-F238E27FC236}">
                 <a16:creationId xmlns:a16="http://schemas.microsoft.com/office/drawing/2014/main" id="{163FD68F-1216-D040-9F23-B217ED68FF46}"/>
@@ -6747,7 +6714,7 @@
         </p:blipFill>
         <p:spPr bwMode="auto">
           <a:xfrm>
-            <a:off x="5003530" y="2597043"/>
+            <a:off x="4587895" y="2594503"/>
             <a:ext cx="375499" cy="375499"/>
           </a:xfrm>
           <a:prstGeom prst="rect">
@@ -6780,7 +6747,7 @@
       </p:pic>
       <p:sp>
         <p:nvSpPr>
-          <p:cNvPr id="96" name="TextBox 95">
+          <p:cNvPr id="66" name="TextBox 65">
             <a:extLst>
               <a:ext uri="{FF2B5EF4-FFF2-40B4-BE49-F238E27FC236}">
                 <a16:creationId xmlns:a16="http://schemas.microsoft.com/office/drawing/2014/main" id="{BF755362-8665-E342-89C0-DF6736B202D7}"/>
@@ -6792,8 +6759,8 @@
         </p:nvSpPr>
         <p:spPr>
           <a:xfrm>
-            <a:off x="5350135" y="2654251"/>
-            <a:ext cx="608649" cy="276999"/>
+            <a:off x="4934501" y="2561659"/>
+            <a:ext cx="1167696" cy="461665"/>
           </a:xfrm>
           <a:prstGeom prst="rect">
             <a:avLst/>
@@ -6808,7 +6775,7 @@
           <a:p>
             <a:r>
               <a:rPr lang="en-US" sz="1200" dirty="0" smtClean="0"/>
-              <a:t>NLB</a:t>
+              <a:t>Network Load Balancer</a:t>
             </a:r>
             <a:endParaRPr lang="en-US" sz="1200" dirty="0"/>
           </a:p>
@@ -6816,7 +6783,7 @@
       </p:sp>
       <p:pic>
         <p:nvPicPr>
-          <p:cNvPr id="100" name="Graphic 24">
+          <p:cNvPr id="67" name="Graphic 24">
             <a:extLst>
               <a:ext uri="{FF2B5EF4-FFF2-40B4-BE49-F238E27FC236}">
                 <a16:creationId xmlns:a16="http://schemas.microsoft.com/office/drawing/2014/main" id="{163FD68F-1216-D040-9F23-B217ED68FF46}"/>
@@ -6843,7 +6810,7 @@
         </p:blipFill>
         <p:spPr bwMode="auto">
           <a:xfrm>
-            <a:off x="5003530" y="4450777"/>
+            <a:off x="4594824" y="4444090"/>
             <a:ext cx="375499" cy="375499"/>
           </a:xfrm>
           <a:prstGeom prst="rect">
@@ -6876,7 +6843,7 @@
       </p:pic>
       <p:sp>
         <p:nvSpPr>
-          <p:cNvPr id="101" name="TextBox 100">
+          <p:cNvPr id="68" name="TextBox 67">
             <a:extLst>
               <a:ext uri="{FF2B5EF4-FFF2-40B4-BE49-F238E27FC236}">
                 <a16:creationId xmlns:a16="http://schemas.microsoft.com/office/drawing/2014/main" id="{BF755362-8665-E342-89C0-DF6736B202D7}"/>
@@ -6888,8 +6855,8 @@
         </p:nvSpPr>
         <p:spPr>
           <a:xfrm>
-            <a:off x="5350135" y="4507985"/>
-            <a:ext cx="608649" cy="276999"/>
+            <a:off x="4941430" y="4411246"/>
+            <a:ext cx="1167696" cy="461665"/>
           </a:xfrm>
           <a:prstGeom prst="rect">
             <a:avLst/>
@@ -6904,7 +6871,7 @@
           <a:p>
             <a:r>
               <a:rPr lang="en-US" sz="1200" dirty="0" smtClean="0"/>
-              <a:t>NLB</a:t>
+              <a:t>Network Load Balancer</a:t>
             </a:r>
             <a:endParaRPr lang="en-US" sz="1200" dirty="0"/>
           </a:p>

--- a/docs/images/HVR_architecture_diagram.pptx
+++ b/docs/images/HVR_architecture_diagram.pptx
@@ -232,7 +232,7 @@
           <a:p>
             <a:fld id="{49A7721D-1176-A640-AC48-B82F78C92D56}" type="datetimeFigureOut">
               <a:rPr lang="en-US" smtClean="0"/>
-              <a:t>7/1/2021</a:t>
+              <a:t>7/14/21</a:t>
             </a:fld>
             <a:endParaRPr lang="en-US" dirty="0"/>
           </a:p>
@@ -409,7 +409,7 @@
           <a:p>
             <a:fld id="{C884A089-FB25-6D46-9D21-F0F04A18BCA8}" type="datetimeFigureOut">
               <a:rPr lang="en-US" smtClean="0"/>
-              <a:t>7/1/2021</a:t>
+              <a:t>7/14/21</a:t>
             </a:fld>
             <a:endParaRPr lang="en-US" dirty="0"/>
           </a:p>
@@ -1872,7 +1872,7 @@
           <a:p>
             <a:fld id="{548045AF-2F23-744F-A16F-4B5C9AF54FA3}" type="datetimeFigureOut">
               <a:rPr lang="en-US" smtClean="0"/>
-              <a:t>7/1/2021</a:t>
+              <a:t>7/14/21</a:t>
             </a:fld>
             <a:endParaRPr lang="en-US" dirty="0"/>
           </a:p>
@@ -2941,40 +2941,13 @@
               <a:defRPr/>
             </a:pPr>
             <a:r>
-              <a:rPr lang="en-US" sz="1200" dirty="0" smtClean="0">
+              <a:rPr lang="en-US" sz="1200" dirty="0">
                 <a:solidFill>
                   <a:srgbClr val="D86613"/>
                 </a:solidFill>
                 <a:cs typeface="Arial" panose="020B0604020202020204" pitchFamily="34" charset="0"/>
               </a:rPr>
-              <a:t>(</a:t>
-            </a:r>
-            <a:r>
-              <a:rPr lang="en-US" sz="1200" dirty="0">
-                <a:solidFill>
-                  <a:srgbClr val="D86613"/>
-                </a:solidFill>
-                <a:cs typeface="Arial" panose="020B0604020202020204" pitchFamily="34" charset="0"/>
-              </a:rPr>
-              <a:t>i</a:t>
-            </a:r>
-            <a:r>
-              <a:rPr lang="en-US" sz="1200" dirty="0" smtClean="0">
-                <a:solidFill>
-                  <a:srgbClr val="D86613"/>
-                </a:solidFill>
-                <a:cs typeface="Arial" panose="020B0604020202020204" pitchFamily="34" charset="0"/>
-              </a:rPr>
-              <a:t>nstance failover</a:t>
-            </a:r>
-            <a:r>
-              <a:rPr lang="en-US" sz="1200" dirty="0">
-                <a:solidFill>
-                  <a:srgbClr val="D86613"/>
-                </a:solidFill>
-                <a:cs typeface="Arial" panose="020B0604020202020204" pitchFamily="34" charset="0"/>
-              </a:rPr>
-              <a:t>)</a:t>
+              <a:t>(instance failover)</a:t>
             </a:r>
           </a:p>
         </p:txBody>
@@ -3185,22 +3158,13 @@
               <a:defRPr/>
             </a:pPr>
             <a:r>
-              <a:rPr lang="en-US" sz="1200" dirty="0" smtClean="0">
+              <a:rPr lang="en-US" sz="1200" dirty="0">
                 <a:solidFill>
                   <a:srgbClr val="D86613"/>
                 </a:solidFill>
                 <a:cs typeface="Arial" panose="020B0604020202020204" pitchFamily="34" charset="0"/>
               </a:rPr>
-              <a:t>Auto </a:t>
-            </a:r>
-            <a:r>
-              <a:rPr lang="en-US" sz="1200" dirty="0">
-                <a:solidFill>
-                  <a:srgbClr val="D86613"/>
-                </a:solidFill>
-                <a:cs typeface="Arial" panose="020B0604020202020204" pitchFamily="34" charset="0"/>
-              </a:rPr>
-              <a:t>Scaling group</a:t>
+              <a:t>Auto Scaling group</a:t>
             </a:r>
           </a:p>
         </p:txBody>
@@ -3220,7 +3184,7 @@
         <p:spPr>
           <a:xfrm>
             <a:off x="2353529" y="2557780"/>
-            <a:ext cx="5655091" cy="3947735"/>
+            <a:ext cx="5655091" cy="1677237"/>
           </a:xfrm>
           <a:prstGeom prst="rect">
             <a:avLst/>
@@ -3486,7 +3450,7 @@
           <a:p>
             <a:pPr algn="ctr" eaLnBrk="1" hangingPunct="1"/>
             <a:r>
-              <a:rPr lang="en-US" altLang="en-US" sz="1200" dirty="0" smtClean="0">
+              <a:rPr lang="en-US" altLang="en-US" sz="1200" dirty="0">
                 <a:latin typeface="+mn-lt"/>
                 <a:ea typeface="Amazon Ember" panose="020B0603020204020204" pitchFamily="34" charset="0"/>
                 <a:cs typeface="Arial" panose="020B0604020202020204" pitchFamily="34" charset="0"/>
@@ -3494,25 +3458,20 @@
               <a:t>HVR</a:t>
             </a:r>
             <a:br>
-              <a:rPr lang="en-US" altLang="en-US" sz="1200" dirty="0" smtClean="0">
+              <a:rPr lang="en-US" altLang="en-US" sz="1200" dirty="0">
                 <a:latin typeface="+mn-lt"/>
                 <a:ea typeface="Amazon Ember" panose="020B0603020204020204" pitchFamily="34" charset="0"/>
                 <a:cs typeface="Arial" panose="020B0604020202020204" pitchFamily="34" charset="0"/>
               </a:rPr>
             </a:br>
             <a:r>
-              <a:rPr lang="en-US" altLang="en-US" sz="1200" dirty="0" smtClean="0">
+              <a:rPr lang="en-US" altLang="en-US" sz="1200" dirty="0">
                 <a:latin typeface="+mn-lt"/>
                 <a:ea typeface="Amazon Ember" panose="020B0603020204020204" pitchFamily="34" charset="0"/>
                 <a:cs typeface="Arial" panose="020B0604020202020204" pitchFamily="34" charset="0"/>
               </a:rPr>
               <a:t>hub</a:t>
             </a:r>
-            <a:endParaRPr lang="en-US" altLang="en-US" sz="1200" dirty="0">
-              <a:latin typeface="+mn-lt"/>
-              <a:ea typeface="Amazon Ember" panose="020B0603020204020204" pitchFamily="34" charset="0"/>
-              <a:cs typeface="Arial" panose="020B0604020202020204" pitchFamily="34" charset="0"/>
-            </a:endParaRPr>
           </a:p>
         </p:txBody>
       </p:sp>
@@ -3818,21 +3777,8 @@
                 <a:ea typeface="Amazon Ember" panose="020B0603020204020204" pitchFamily="34" charset="0"/>
                 <a:cs typeface="Arial" panose="020B0604020202020204" pitchFamily="34" charset="0"/>
               </a:rPr>
-              <a:t>HVR </a:t>
+              <a:t>HVR agent</a:t>
             </a:r>
-            <a:r>
-              <a:rPr lang="en-US" altLang="en-US" sz="1200" dirty="0" smtClean="0">
-                <a:latin typeface="+mn-lt"/>
-                <a:ea typeface="Amazon Ember" panose="020B0603020204020204" pitchFamily="34" charset="0"/>
-                <a:cs typeface="Arial" panose="020B0604020202020204" pitchFamily="34" charset="0"/>
-              </a:rPr>
-              <a:t>agent</a:t>
-            </a:r>
-            <a:endParaRPr lang="en-US" altLang="en-US" sz="1200" dirty="0">
-              <a:latin typeface="+mn-lt"/>
-              <a:ea typeface="Amazon Ember" panose="020B0603020204020204" pitchFamily="34" charset="0"/>
-              <a:cs typeface="Arial" panose="020B0604020202020204" pitchFamily="34" charset="0"/>
-            </a:endParaRPr>
           </a:p>
         </p:txBody>
       </p:sp>
@@ -4052,21 +3998,8 @@
                 <a:ea typeface="Amazon Ember" panose="020B0603020204020204" pitchFamily="34" charset="0"/>
                 <a:cs typeface="Arial" panose="020B0604020202020204" pitchFamily="34" charset="0"/>
               </a:rPr>
-              <a:t>Bastion </a:t>
+              <a:t>Bastion host</a:t>
             </a:r>
-            <a:r>
-              <a:rPr lang="en-US" altLang="en-US" sz="1200" dirty="0" smtClean="0">
-                <a:latin typeface="+mn-lt"/>
-                <a:ea typeface="Amazon Ember" panose="020B0603020204020204" pitchFamily="34" charset="0"/>
-                <a:cs typeface="Arial" panose="020B0604020202020204" pitchFamily="34" charset="0"/>
-              </a:rPr>
-              <a:t>host</a:t>
-            </a:r>
-            <a:endParaRPr lang="en-US" altLang="en-US" sz="1200" dirty="0">
-              <a:latin typeface="+mn-lt"/>
-              <a:ea typeface="Amazon Ember" panose="020B0603020204020204" pitchFamily="34" charset="0"/>
-              <a:cs typeface="Arial" panose="020B0604020202020204" pitchFamily="34" charset="0"/>
-            </a:endParaRPr>
           </a:p>
         </p:txBody>
       </p:sp>
@@ -4422,21 +4355,8 @@
                 <a:ea typeface="Amazon Ember" panose="020B0603020204020204" pitchFamily="34" charset="0"/>
                 <a:cs typeface="Arial" panose="020B0604020202020204" pitchFamily="34" charset="0"/>
               </a:rPr>
-              <a:t>HVR </a:t>
+              <a:t>HVR agent</a:t>
             </a:r>
-            <a:r>
-              <a:rPr lang="en-US" altLang="en-US" sz="1200" dirty="0" smtClean="0">
-                <a:latin typeface="+mn-lt"/>
-                <a:ea typeface="Amazon Ember" panose="020B0603020204020204" pitchFamily="34" charset="0"/>
-                <a:cs typeface="Arial" panose="020B0604020202020204" pitchFamily="34" charset="0"/>
-              </a:rPr>
-              <a:t>agent</a:t>
-            </a:r>
-            <a:endParaRPr lang="en-US" altLang="en-US" sz="1200" dirty="0">
-              <a:latin typeface="+mn-lt"/>
-              <a:ea typeface="Amazon Ember" panose="020B0603020204020204" pitchFamily="34" charset="0"/>
-              <a:cs typeface="Arial" panose="020B0604020202020204" pitchFamily="34" charset="0"/>
-            </a:endParaRPr>
           </a:p>
         </p:txBody>
       </p:sp>
@@ -4814,7 +4734,7 @@
           <a:p>
             <a:pPr algn="ctr" eaLnBrk="1" hangingPunct="1"/>
             <a:r>
-              <a:rPr lang="en-US" altLang="en-US" sz="1200" dirty="0" smtClean="0">
+              <a:rPr lang="en-US" altLang="en-US" sz="1200" dirty="0">
                 <a:latin typeface="+mn-lt"/>
                 <a:ea typeface="Amazon Ember" panose="020B0603020204020204" pitchFamily="34" charset="0"/>
                 <a:cs typeface="Arial" panose="020B0604020202020204" pitchFamily="34" charset="0"/>
@@ -4822,25 +4742,20 @@
               <a:t>HVR</a:t>
             </a:r>
             <a:br>
-              <a:rPr lang="en-US" altLang="en-US" sz="1200" dirty="0" smtClean="0">
+              <a:rPr lang="en-US" altLang="en-US" sz="1200" dirty="0">
                 <a:latin typeface="+mn-lt"/>
                 <a:ea typeface="Amazon Ember" panose="020B0603020204020204" pitchFamily="34" charset="0"/>
                 <a:cs typeface="Arial" panose="020B0604020202020204" pitchFamily="34" charset="0"/>
               </a:rPr>
             </a:br>
             <a:r>
-              <a:rPr lang="en-US" altLang="en-US" sz="1200" dirty="0" smtClean="0">
+              <a:rPr lang="en-US" altLang="en-US" sz="1200" dirty="0">
                 <a:latin typeface="+mn-lt"/>
                 <a:ea typeface="Amazon Ember" panose="020B0603020204020204" pitchFamily="34" charset="0"/>
                 <a:cs typeface="Arial" panose="020B0604020202020204" pitchFamily="34" charset="0"/>
               </a:rPr>
               <a:t>hub</a:t>
             </a:r>
-            <a:endParaRPr lang="en-US" altLang="en-US" sz="1200" dirty="0">
-              <a:latin typeface="+mn-lt"/>
-              <a:ea typeface="Amazon Ember" panose="020B0603020204020204" pitchFamily="34" charset="0"/>
-              <a:cs typeface="Arial" panose="020B0604020202020204" pitchFamily="34" charset="0"/>
-            </a:endParaRPr>
           </a:p>
         </p:txBody>
       </p:sp>
@@ -5378,7 +5293,7 @@
         </p:nvSpPr>
         <p:spPr>
           <a:xfrm>
-            <a:off x="2402421" y="2557991"/>
+            <a:off x="2378320" y="2569901"/>
             <a:ext cx="1430887" cy="276999"/>
           </a:xfrm>
           <a:prstGeom prst="rect">
@@ -5563,34 +5478,21 @@
               </a:rPr>
               <a:t>Bastion </a:t>
             </a:r>
-            <a:r>
-              <a:rPr lang="en-US" altLang="en-US" sz="1200" dirty="0" smtClean="0">
-                <a:latin typeface="+mn-lt"/>
-                <a:ea typeface="Amazon Ember" panose="020B0603020204020204" pitchFamily="34" charset="0"/>
-                <a:cs typeface="Arial" panose="020B0604020202020204" pitchFamily="34" charset="0"/>
-              </a:rPr>
-              <a:t/>
-            </a:r>
             <a:br>
-              <a:rPr lang="en-US" altLang="en-US" sz="1200" dirty="0" smtClean="0">
+              <a:rPr lang="en-US" altLang="en-US" sz="1200" dirty="0">
                 <a:latin typeface="+mn-lt"/>
                 <a:ea typeface="Amazon Ember" panose="020B0603020204020204" pitchFamily="34" charset="0"/>
                 <a:cs typeface="Arial" panose="020B0604020202020204" pitchFamily="34" charset="0"/>
               </a:rPr>
             </a:br>
             <a:r>
-              <a:rPr lang="en-US" altLang="en-US" sz="1200" dirty="0" smtClean="0">
+              <a:rPr lang="en-US" altLang="en-US" sz="1200" dirty="0">
                 <a:latin typeface="+mn-lt"/>
                 <a:ea typeface="Amazon Ember" panose="020B0603020204020204" pitchFamily="34" charset="0"/>
                 <a:cs typeface="Arial" panose="020B0604020202020204" pitchFamily="34" charset="0"/>
               </a:rPr>
               <a:t>host</a:t>
             </a:r>
-            <a:endParaRPr lang="en-US" altLang="en-US" sz="1200" dirty="0">
-              <a:latin typeface="+mn-lt"/>
-              <a:ea typeface="Amazon Ember" panose="020B0603020204020204" pitchFamily="34" charset="0"/>
-              <a:cs typeface="Arial" panose="020B0604020202020204" pitchFamily="34" charset="0"/>
-            </a:endParaRPr>
           </a:p>
         </p:txBody>
       </p:sp>
@@ -5879,23 +5781,7 @@
                 <a:ea typeface="Amazon Ember" panose="020B0603020204020204" pitchFamily="34" charset="0"/>
                 <a:cs typeface="Arial" panose="020B0604020202020204" pitchFamily="34" charset="0"/>
               </a:rPr>
-              <a:t>AWS </a:t>
-            </a:r>
-            <a:r>
-              <a:rPr lang="en-US" altLang="en-US" sz="1200" dirty="0" smtClean="0">
-                <a:latin typeface="+mn-lt"/>
-                <a:ea typeface="Amazon Ember" panose="020B0603020204020204" pitchFamily="34" charset="0"/>
-                <a:cs typeface="Arial" panose="020B0604020202020204" pitchFamily="34" charset="0"/>
-              </a:rPr>
-              <a:t>Secrets </a:t>
-            </a:r>
-            <a:r>
-              <a:rPr lang="en-US" altLang="en-US" sz="1200" dirty="0">
-                <a:latin typeface="+mn-lt"/>
-                <a:ea typeface="Amazon Ember" panose="020B0603020204020204" pitchFamily="34" charset="0"/>
-                <a:cs typeface="Arial" panose="020B0604020202020204" pitchFamily="34" charset="0"/>
-              </a:rPr>
-              <a:t>Manager</a:t>
+              <a:t>AWS Secrets Manager</a:t>
             </a:r>
           </a:p>
         </p:txBody>
@@ -6111,18 +5997,13 @@
           <a:p>
             <a:pPr algn="ctr" eaLnBrk="1" hangingPunct="1"/>
             <a:r>
-              <a:rPr lang="en-US" altLang="en-US" sz="1200" dirty="0" smtClean="0">
+              <a:rPr lang="en-US" altLang="en-US" sz="1200" dirty="0">
                 <a:latin typeface="+mn-lt"/>
                 <a:ea typeface="Amazon Ember" panose="020B0603020204020204" pitchFamily="34" charset="0"/>
                 <a:cs typeface="Arial" panose="020B0604020202020204" pitchFamily="34" charset="0"/>
               </a:rPr>
               <a:t>Amazon SNS</a:t>
             </a:r>
-            <a:endParaRPr lang="en-US" altLang="en-US" sz="1200" dirty="0">
-              <a:latin typeface="+mn-lt"/>
-              <a:ea typeface="Amazon Ember" panose="020B0603020204020204" pitchFamily="34" charset="0"/>
-              <a:cs typeface="Arial" panose="020B0604020202020204" pitchFamily="34" charset="0"/>
-            </a:endParaRPr>
           </a:p>
         </p:txBody>
       </p:sp>
@@ -6524,10 +6405,9 @@
           <a:lstStyle/>
           <a:p>
             <a:r>
-              <a:rPr lang="en-US" sz="1200" dirty="0" smtClean="0"/>
+              <a:rPr lang="en-US" sz="1200" dirty="0"/>
               <a:t>Amazon EFS</a:t>
             </a:r>
-            <a:endParaRPr lang="en-US" sz="1200" dirty="0"/>
           </a:p>
         </p:txBody>
       </p:sp>
@@ -6620,10 +6500,9 @@
           <a:lstStyle/>
           <a:p>
             <a:r>
-              <a:rPr lang="en-US" sz="1200" dirty="0" smtClean="0"/>
+              <a:rPr lang="en-US" sz="1200" dirty="0"/>
               <a:t>Network Load Balancer</a:t>
             </a:r>
-            <a:endParaRPr lang="en-US" sz="1200" dirty="0"/>
           </a:p>
         </p:txBody>
       </p:sp>
@@ -6645,7 +6524,7 @@
           <a:blip r:embed="rId16">
             <a:extLst>
               <a:ext uri="{96DAC541-7B7A-43D3-8B79-37D633B846F1}">
-                <asvg:svgBlip xmlns="" xmlns:asvg="http://schemas.microsoft.com/office/drawing/2016/SVG/main" r:embed="rId30"/>
+                <asvg:svgBlip xmlns:asvg="http://schemas.microsoft.com/office/drawing/2016/SVG/main" r:embed="rId17"/>
               </a:ext>
             </a:extLst>
           </a:blip>
@@ -6774,10 +6653,9 @@
           <a:lstStyle/>
           <a:p>
             <a:r>
-              <a:rPr lang="en-US" sz="1200" dirty="0" smtClean="0"/>
+              <a:rPr lang="en-US" sz="1200" dirty="0"/>
               <a:t>Network Load Balancer</a:t>
             </a:r>
-            <a:endParaRPr lang="en-US" sz="1200" dirty="0"/>
           </a:p>
         </p:txBody>
       </p:sp>
@@ -6870,10 +6748,115 @@
           <a:lstStyle/>
           <a:p>
             <a:r>
-              <a:rPr lang="en-US" sz="1200" dirty="0" smtClean="0"/>
+              <a:rPr lang="en-US" sz="1200" dirty="0"/>
               <a:t>Network Load Balancer</a:t>
             </a:r>
-            <a:endParaRPr lang="en-US" sz="1200" dirty="0"/>
+          </a:p>
+        </p:txBody>
+      </p:sp>
+      <p:sp>
+        <p:nvSpPr>
+          <p:cNvPr id="70" name="Rectangle 69">
+            <a:extLst>
+              <a:ext uri="{FF2B5EF4-FFF2-40B4-BE49-F238E27FC236}">
+                <a16:creationId xmlns:a16="http://schemas.microsoft.com/office/drawing/2014/main" id="{1F7B2887-10ED-834F-BD64-3C6F5DCF6918}"/>
+              </a:ext>
+            </a:extLst>
+          </p:cNvPr>
+          <p:cNvSpPr/>
+          <p:nvPr/>
+        </p:nvSpPr>
+        <p:spPr>
+          <a:xfrm>
+            <a:off x="2350820" y="4332593"/>
+            <a:ext cx="5655091" cy="1272274"/>
+          </a:xfrm>
+          <a:prstGeom prst="rect">
+            <a:avLst/>
+          </a:prstGeom>
+          <a:noFill/>
+          <a:ln w="12700">
+            <a:solidFill>
+              <a:srgbClr val="DF3312"/>
+            </a:solidFill>
+          </a:ln>
+        </p:spPr>
+        <p:style>
+          <a:lnRef idx="2">
+            <a:schemeClr val="accent1">
+              <a:shade val="50000"/>
+            </a:schemeClr>
+          </a:lnRef>
+          <a:fillRef idx="1">
+            <a:schemeClr val="accent1"/>
+          </a:fillRef>
+          <a:effectRef idx="0">
+            <a:schemeClr val="accent1"/>
+          </a:effectRef>
+          <a:fontRef idx="minor">
+            <a:schemeClr val="lt1"/>
+          </a:fontRef>
+        </p:style>
+        <p:txBody>
+          <a:bodyPr tIns="91440" anchorCtr="1"/>
+          <a:lstStyle/>
+          <a:p>
+            <a:pPr eaLnBrk="1" fontAlgn="auto" hangingPunct="1">
+              <a:spcBef>
+                <a:spcPts val="0"/>
+              </a:spcBef>
+              <a:spcAft>
+                <a:spcPts val="0"/>
+              </a:spcAft>
+              <a:defRPr/>
+            </a:pPr>
+            <a:endParaRPr lang="en-US" sz="1200" b="1" dirty="0">
+              <a:solidFill>
+                <a:srgbClr val="DF3312"/>
+              </a:solidFill>
+              <a:cs typeface="Arial" panose="020B0604020202020204" pitchFamily="34" charset="0"/>
+            </a:endParaRPr>
+          </a:p>
+        </p:txBody>
+      </p:sp>
+      <p:sp>
+        <p:nvSpPr>
+          <p:cNvPr id="71" name="TextBox 70">
+            <a:extLst>
+              <a:ext uri="{FF2B5EF4-FFF2-40B4-BE49-F238E27FC236}">
+                <a16:creationId xmlns:a16="http://schemas.microsoft.com/office/drawing/2014/main" id="{2CDC6069-E7F2-EF44-8DA0-528B2C4E2DD9}"/>
+              </a:ext>
+            </a:extLst>
+          </p:cNvPr>
+          <p:cNvSpPr txBox="1"/>
+          <p:nvPr/>
+        </p:nvSpPr>
+        <p:spPr>
+          <a:xfrm>
+            <a:off x="2366558" y="4341841"/>
+            <a:ext cx="1430887" cy="276999"/>
+          </a:xfrm>
+          <a:prstGeom prst="rect">
+            <a:avLst/>
+          </a:prstGeom>
+          <a:noFill/>
+        </p:spPr>
+        <p:txBody>
+          <a:bodyPr wrap="square" rtlCol="0">
+            <a:spAutoFit/>
+          </a:bodyPr>
+          <a:lstStyle/>
+          <a:p>
+            <a:r>
+              <a:rPr lang="en-US" sz="1200" dirty="0">
+                <a:solidFill>
+                  <a:srgbClr val="DF3312"/>
+                </a:solidFill>
+                <a:latin typeface="Arial" panose="020B0604020202020204" pitchFamily="34" charset="0"/>
+                <a:cs typeface="Arial" panose="020B0604020202020204" pitchFamily="34" charset="0"/>
+              </a:rPr>
+              <a:t>Security group</a:t>
+            </a:r>
           </a:p>
         </p:txBody>
       </p:sp>
